--- a/Study_KaggleDacon_0521.pptx
+++ b/Study_KaggleDacon_0521.pptx
@@ -806,6 +806,106 @@
           </a:bodyPr>
           <a:lstStyle/>
           <a:p>
+            <a:pPr marL="0" marR="0" lvl="0" indent="0" algn="l" defTabSz="914400" rtl="0" eaLnBrk="1" fontAlgn="auto" latinLnBrk="0" hangingPunct="1">
+              <a:lnSpc>
+                <a:spcPct val="100000"/>
+              </a:lnSpc>
+              <a:spcBef>
+                <a:spcPts val="0"/>
+              </a:spcBef>
+              <a:spcAft>
+                <a:spcPts val="0"/>
+              </a:spcAft>
+              <a:buClr>
+                <a:srgbClr val="000000"/>
+              </a:buClr>
+              <a:buSzPts val="1100"/>
+              <a:buFont typeface="Arial"/>
+              <a:buNone/>
+              <a:tabLst/>
+              <a:defRPr/>
+            </a:pPr>
+            <a:r>
+              <a:rPr lang="ko-KR" altLang="en-US" dirty="0">
+                <a:effectLst/>
+              </a:rPr>
+              <a:t>안녕하세요</a:t>
+            </a:r>
+            <a:r>
+              <a:rPr lang="en-US" altLang="ko-KR" dirty="0">
+                <a:effectLst/>
+              </a:rPr>
+              <a:t>. Kaggle/</a:t>
+            </a:r>
+            <a:r>
+              <a:rPr lang="en-US" altLang="ko-KR" dirty="0" err="1">
+                <a:effectLst/>
+              </a:rPr>
+              <a:t>Dacon</a:t>
+            </a:r>
+            <a:r>
+              <a:rPr lang="en-US" altLang="ko-KR" dirty="0">
+                <a:effectLst/>
+              </a:rPr>
+              <a:t> </a:t>
+            </a:r>
+            <a:r>
+              <a:rPr lang="ko-KR" altLang="en-US" dirty="0">
+                <a:effectLst/>
+              </a:rPr>
+              <a:t>스터디 발표자 </a:t>
+            </a:r>
+            <a:r>
+              <a:rPr lang="ko-KR" altLang="en-US" dirty="0" err="1">
+                <a:effectLst/>
+              </a:rPr>
+              <a:t>송경준입니다</a:t>
+            </a:r>
+            <a:r>
+              <a:rPr lang="en-US" altLang="ko-KR" dirty="0">
+                <a:effectLst/>
+              </a:rPr>
+              <a:t>. </a:t>
+            </a:r>
+            <a:r>
+              <a:rPr lang="ko-KR" altLang="en-US" dirty="0">
+                <a:effectLst/>
+              </a:rPr>
+              <a:t>저희는 </a:t>
+            </a:r>
+            <a:r>
+              <a:rPr lang="en-US" altLang="ko-KR" dirty="0">
+                <a:effectLst/>
+              </a:rPr>
+              <a:t>Kaggle, </a:t>
+            </a:r>
+            <a:r>
+              <a:rPr lang="en-US" altLang="ko-KR" dirty="0" err="1">
+                <a:effectLst/>
+              </a:rPr>
+              <a:t>Dacon</a:t>
+            </a:r>
+            <a:r>
+              <a:rPr lang="en-US" altLang="ko-KR" dirty="0">
+                <a:effectLst/>
+              </a:rPr>
+              <a:t> </a:t>
+            </a:r>
+            <a:r>
+              <a:rPr lang="ko-KR" altLang="en-US" dirty="0">
+                <a:effectLst/>
+              </a:rPr>
+              <a:t>등 주요 인공지능 경진대회 플랫폼 대회들의 수상작 등을 공부하며 아이디어를 공유하는 스터디입니다</a:t>
+            </a:r>
+            <a:r>
+              <a:rPr lang="en-US" altLang="ko-KR" dirty="0">
+                <a:effectLst/>
+              </a:rPr>
+              <a:t>.</a:t>
+            </a:r>
+            <a:endParaRPr lang="ko-KR" altLang="en-US" dirty="0"/>
+          </a:p>
+          <a:p>
             <a:pPr marL="0" lvl="0" indent="0" algn="l" rtl="0">
               <a:spcBef>
                 <a:spcPts val="0"/>
@@ -815,7 +915,7 @@
               </a:spcAft>
               <a:buNone/>
             </a:pPr>
-            <a:endParaRPr/>
+            <a:endParaRPr dirty="0"/>
           </a:p>
         </p:txBody>
       </p:sp>
@@ -910,6 +1010,88 @@
           </a:bodyPr>
           <a:lstStyle/>
           <a:p>
+            <a:pPr marL="0" marR="0" lvl="0" indent="0" algn="l" defTabSz="914400" rtl="0" eaLnBrk="1" fontAlgn="auto" latinLnBrk="0" hangingPunct="1">
+              <a:lnSpc>
+                <a:spcPct val="100000"/>
+              </a:lnSpc>
+              <a:spcBef>
+                <a:spcPts val="0"/>
+              </a:spcBef>
+              <a:spcAft>
+                <a:spcPts val="0"/>
+              </a:spcAft>
+              <a:buClr>
+                <a:srgbClr val="000000"/>
+              </a:buClr>
+              <a:buSzPts val="1100"/>
+              <a:buFont typeface="Arial"/>
+              <a:buNone/>
+              <a:tabLst/>
+              <a:defRPr/>
+            </a:pPr>
+            <a:r>
+              <a:rPr lang="en-US" altLang="ko-KR" dirty="0" err="1">
+                <a:effectLst/>
+              </a:rPr>
+              <a:t>Konlpy</a:t>
+            </a:r>
+            <a:r>
+              <a:rPr lang="ko-KR" altLang="en-US" dirty="0">
+                <a:effectLst/>
+              </a:rPr>
+              <a:t>는 한국어 자연어 처리를 위한 파이썬 </a:t>
+            </a:r>
+            <a:r>
+              <a:rPr lang="ko-KR" altLang="en-US" dirty="0" err="1">
+                <a:effectLst/>
+              </a:rPr>
+              <a:t>라이브버리로</a:t>
+            </a:r>
+            <a:r>
+              <a:rPr lang="en-US" altLang="ko-KR" dirty="0">
+                <a:effectLst/>
+              </a:rPr>
+              <a:t>, </a:t>
+            </a:r>
+            <a:r>
+              <a:rPr lang="en-US" altLang="ko-KR" dirty="0" err="1">
+                <a:effectLst/>
+              </a:rPr>
+              <a:t>Okt</a:t>
+            </a:r>
+            <a:r>
+              <a:rPr lang="ko-KR" altLang="en-US" dirty="0">
+                <a:effectLst/>
+              </a:rPr>
+              <a:t>를 이용해 이전 슬라이드에서 전처리한 데이터를 형태소 단위로 나누었습니다</a:t>
+            </a:r>
+            <a:r>
+              <a:rPr lang="en-US" altLang="ko-KR" dirty="0">
+                <a:effectLst/>
+              </a:rPr>
+              <a:t>. </a:t>
+            </a:r>
+            <a:r>
+              <a:rPr lang="en-US" altLang="ko-KR" dirty="0" err="1">
+                <a:effectLst/>
+              </a:rPr>
+              <a:t>Konlpy</a:t>
+            </a:r>
+            <a:r>
+              <a:rPr lang="ko-KR" altLang="en-US" dirty="0">
+                <a:effectLst/>
+              </a:rPr>
+              <a:t>에는 이외에도 자연어 처리를 위한 유용한 도구들이 많이 있으니 관심이 있으시다면 활용해보시는 것도 좋을 것 같습니다</a:t>
+            </a:r>
+            <a:r>
+              <a:rPr lang="en-US" altLang="ko-KR" dirty="0">
+                <a:effectLst/>
+              </a:rPr>
+              <a:t>. </a:t>
+            </a:r>
+            <a:endParaRPr lang="ko-KR" altLang="en-US" dirty="0"/>
+          </a:p>
+          <a:p>
             <a:pPr marL="0" lvl="0" indent="0" algn="l" rtl="0">
               <a:spcBef>
                 <a:spcPts val="0"/>
@@ -919,7 +1101,7 @@
               </a:spcAft>
               <a:buNone/>
             </a:pPr>
-            <a:endParaRPr/>
+            <a:endParaRPr dirty="0"/>
           </a:p>
         </p:txBody>
       </p:sp>
@@ -1018,6 +1200,130 @@
             <a:noAutofit/>
           </a:bodyPr>
           <a:lstStyle/>
+          <a:p>
+            <a:pPr marL="0" marR="0" lvl="0" indent="0" algn="l" defTabSz="914400" rtl="0" eaLnBrk="1" fontAlgn="auto" latinLnBrk="0" hangingPunct="1">
+              <a:lnSpc>
+                <a:spcPct val="100000"/>
+              </a:lnSpc>
+              <a:spcBef>
+                <a:spcPts val="0"/>
+              </a:spcBef>
+              <a:spcAft>
+                <a:spcPts val="0"/>
+              </a:spcAft>
+              <a:buClr>
+                <a:srgbClr val="000000"/>
+              </a:buClr>
+              <a:buSzPts val="1100"/>
+              <a:buFont typeface="Arial"/>
+              <a:buNone/>
+              <a:tabLst/>
+              <a:defRPr/>
+            </a:pPr>
+            <a:r>
+              <a:rPr lang="ko-KR" altLang="en-US" dirty="0">
+                <a:effectLst/>
+              </a:rPr>
+              <a:t>마지막으로 모델링 과정에서 </a:t>
+            </a:r>
+            <a:r>
+              <a:rPr lang="en-US" altLang="ko-KR" dirty="0" err="1">
+                <a:effectLst/>
+              </a:rPr>
+              <a:t>tensorflow</a:t>
+            </a:r>
+            <a:r>
+              <a:rPr lang="ko-KR" altLang="en-US" dirty="0">
+                <a:effectLst/>
+              </a:rPr>
+              <a:t>의 </a:t>
+            </a:r>
+            <a:r>
+              <a:rPr lang="en-US" altLang="ko-KR" dirty="0">
+                <a:effectLst/>
+              </a:rPr>
+              <a:t>LSTM</a:t>
+            </a:r>
+            <a:r>
+              <a:rPr lang="ko-KR" altLang="en-US" dirty="0">
+                <a:effectLst/>
+              </a:rPr>
+              <a:t>을 활용했습니다</a:t>
+            </a:r>
+            <a:r>
+              <a:rPr lang="en-US" altLang="ko-KR" dirty="0">
+                <a:effectLst/>
+              </a:rPr>
+              <a:t>. </a:t>
+            </a:r>
+            <a:r>
+              <a:rPr lang="ko-KR" altLang="en-US" dirty="0">
+                <a:effectLst/>
+              </a:rPr>
+              <a:t>현재는 대부분의 연구에서 </a:t>
+            </a:r>
+            <a:r>
+              <a:rPr lang="en-US" altLang="ko-KR" dirty="0" err="1">
+                <a:effectLst/>
+              </a:rPr>
+              <a:t>pytorch</a:t>
+            </a:r>
+            <a:r>
+              <a:rPr lang="ko-KR" altLang="en-US" dirty="0">
+                <a:effectLst/>
+              </a:rPr>
+              <a:t>를 활용하지만 초기에 딥러닝 프레임워크 시장에서 주목을 받던 라이브러리입니다</a:t>
+            </a:r>
+            <a:r>
+              <a:rPr lang="en-US" altLang="ko-KR" dirty="0">
+                <a:effectLst/>
+              </a:rPr>
+              <a:t>. </a:t>
+            </a:r>
+            <a:r>
+              <a:rPr lang="ko-KR" altLang="en-US" dirty="0">
+                <a:effectLst/>
+              </a:rPr>
+              <a:t>자세한 내용은 시간 관계상 생략하겠습니다</a:t>
+            </a:r>
+            <a:r>
+              <a:rPr lang="en-US" altLang="ko-KR" dirty="0">
+                <a:effectLst/>
+              </a:rPr>
+              <a:t>. </a:t>
+            </a:r>
+            <a:r>
+              <a:rPr lang="ko-KR" altLang="en-US" dirty="0">
+                <a:effectLst/>
+              </a:rPr>
+              <a:t>혹시나 관심이 있으신 분들은 오른쪽 아래 공식 </a:t>
+            </a:r>
+            <a:r>
+              <a:rPr lang="en-US" altLang="ko-KR" dirty="0" err="1">
+                <a:effectLst/>
+              </a:rPr>
+              <a:t>tensorflow</a:t>
+            </a:r>
+            <a:r>
+              <a:rPr lang="en-US" altLang="ko-KR" dirty="0">
+                <a:effectLst/>
+              </a:rPr>
+              <a:t> </a:t>
+            </a:r>
+            <a:r>
+              <a:rPr lang="ko-KR" altLang="en-US" dirty="0">
+                <a:effectLst/>
+              </a:rPr>
+              <a:t>사이트 링크가 있으니 참고 부탁드립니다</a:t>
+            </a:r>
+            <a:r>
+              <a:rPr lang="en-US" altLang="ko-KR" dirty="0">
+                <a:effectLst/>
+              </a:rPr>
+              <a:t>.</a:t>
+            </a:r>
+            <a:endParaRPr lang="ko-KR" altLang="en-US"/>
+          </a:p>
           <a:p>
             <a:pPr marL="0" lvl="0" indent="0" algn="l" rtl="0">
               <a:spcBef>
@@ -1128,6 +1434,40 @@
           </a:bodyPr>
           <a:lstStyle/>
           <a:p>
+            <a:pPr marL="0" marR="0" lvl="0" indent="0" algn="l" defTabSz="914400" rtl="0" eaLnBrk="1" fontAlgn="auto" latinLnBrk="0" hangingPunct="1">
+              <a:lnSpc>
+                <a:spcPct val="100000"/>
+              </a:lnSpc>
+              <a:spcBef>
+                <a:spcPts val="0"/>
+              </a:spcBef>
+              <a:spcAft>
+                <a:spcPts val="0"/>
+              </a:spcAft>
+              <a:buClr>
+                <a:srgbClr val="000000"/>
+              </a:buClr>
+              <a:buSzPts val="1100"/>
+              <a:buFont typeface="Arial"/>
+              <a:buNone/>
+              <a:tabLst/>
+              <a:defRPr/>
+            </a:pPr>
+            <a:r>
+              <a:rPr lang="ko-KR" altLang="en-US" dirty="0">
+                <a:effectLst/>
+              </a:rPr>
+              <a:t>저희는 주로 비대면으로 스터디를 진행했습니다</a:t>
+            </a:r>
+            <a:r>
+              <a:rPr lang="en-US" altLang="ko-KR" dirty="0">
+                <a:effectLst/>
+              </a:rPr>
+              <a:t>.</a:t>
+            </a:r>
+            <a:endParaRPr lang="ko-KR" altLang="en-US" dirty="0"/>
+          </a:p>
+          <a:p>
             <a:pPr marL="0" lvl="0" indent="0" algn="l" rtl="0">
               <a:spcBef>
                 <a:spcPts val="0"/>
@@ -1137,7 +1477,7 @@
               </a:spcAft>
               <a:buNone/>
             </a:pPr>
-            <a:endParaRPr/>
+            <a:endParaRPr dirty="0"/>
           </a:p>
         </p:txBody>
       </p:sp>
@@ -1232,6 +1572,106 @@
           </a:bodyPr>
           <a:lstStyle/>
           <a:p>
+            <a:pPr marL="0" marR="0" lvl="0" indent="0" algn="l" defTabSz="914400" rtl="0" eaLnBrk="1" fontAlgn="auto" latinLnBrk="0" hangingPunct="1">
+              <a:lnSpc>
+                <a:spcPct val="100000"/>
+              </a:lnSpc>
+              <a:spcBef>
+                <a:spcPts val="0"/>
+              </a:spcBef>
+              <a:spcAft>
+                <a:spcPts val="0"/>
+              </a:spcAft>
+              <a:buClr>
+                <a:srgbClr val="000000"/>
+              </a:buClr>
+              <a:buSzPts val="1100"/>
+              <a:buFont typeface="Arial"/>
+              <a:buNone/>
+              <a:tabLst/>
+              <a:defRPr/>
+            </a:pPr>
+            <a:r>
+              <a:rPr lang="ko-KR" altLang="en-US" dirty="0">
+                <a:effectLst/>
+              </a:rPr>
+              <a:t>최근 월간 </a:t>
+            </a:r>
+            <a:r>
+              <a:rPr lang="ko-KR" altLang="en-US" dirty="0" err="1">
+                <a:effectLst/>
+              </a:rPr>
+              <a:t>데이콘</a:t>
+            </a:r>
+            <a:r>
+              <a:rPr lang="ko-KR" altLang="en-US" dirty="0">
+                <a:effectLst/>
+              </a:rPr>
+              <a:t> 항공편 지연 예측 </a:t>
+            </a:r>
+            <a:r>
+              <a:rPr lang="en-US" altLang="ko-KR" dirty="0">
+                <a:effectLst/>
+              </a:rPr>
+              <a:t>AI </a:t>
+            </a:r>
+            <a:r>
+              <a:rPr lang="ko-KR" altLang="en-US" dirty="0">
+                <a:effectLst/>
+              </a:rPr>
+              <a:t>경진대회와 영화 리뷰 감성분석 </a:t>
+            </a:r>
+            <a:r>
+              <a:rPr lang="en-US" altLang="ko-KR" dirty="0">
+                <a:effectLst/>
+              </a:rPr>
+              <a:t>AI </a:t>
+            </a:r>
+            <a:r>
+              <a:rPr lang="ko-KR" altLang="en-US" dirty="0" err="1">
+                <a:effectLst/>
+              </a:rPr>
+              <a:t>해커톤의</a:t>
+            </a:r>
+            <a:r>
+              <a:rPr lang="ko-KR" altLang="en-US" dirty="0">
+                <a:effectLst/>
+              </a:rPr>
+              <a:t> 수상작</a:t>
+            </a:r>
+            <a:r>
+              <a:rPr lang="en-US" altLang="ko-KR" dirty="0">
+                <a:effectLst/>
+              </a:rPr>
+              <a:t>, </a:t>
+            </a:r>
+            <a:r>
+              <a:rPr lang="ko-KR" altLang="en-US" dirty="0">
+                <a:effectLst/>
+              </a:rPr>
+              <a:t>베이스라인 코드를 분석했습니다</a:t>
+            </a:r>
+            <a:r>
+              <a:rPr lang="en-US" altLang="ko-KR" dirty="0">
+                <a:effectLst/>
+              </a:rPr>
+              <a:t>. </a:t>
+            </a:r>
+            <a:r>
+              <a:rPr lang="ko-KR" altLang="en-US" dirty="0">
+                <a:effectLst/>
+              </a:rPr>
+              <a:t>내용들 중 공유할만한 것들을 몇 가지 말씀드리고 끝내도록 하겠습니다</a:t>
+            </a:r>
+            <a:r>
+              <a:rPr lang="en-US" altLang="ko-KR" dirty="0">
+                <a:effectLst/>
+              </a:rPr>
+              <a:t>. </a:t>
+            </a:r>
+            <a:endParaRPr lang="ko-KR" altLang="en-US" dirty="0"/>
+          </a:p>
+          <a:p>
             <a:pPr marL="0" lvl="0" indent="0" algn="l" rtl="0">
               <a:spcBef>
                 <a:spcPts val="0"/>
@@ -1241,7 +1681,7 @@
               </a:spcAft>
               <a:buNone/>
             </a:pPr>
-            <a:endParaRPr/>
+            <a:endParaRPr dirty="0"/>
           </a:p>
         </p:txBody>
       </p:sp>
@@ -1336,6 +1776,112 @@
           </a:bodyPr>
           <a:lstStyle/>
           <a:p>
+            <a:pPr marL="0" marR="0" lvl="0" indent="0" algn="l" defTabSz="914400" rtl="0" eaLnBrk="1" fontAlgn="auto" latinLnBrk="0" hangingPunct="1">
+              <a:lnSpc>
+                <a:spcPct val="100000"/>
+              </a:lnSpc>
+              <a:spcBef>
+                <a:spcPts val="0"/>
+              </a:spcBef>
+              <a:spcAft>
+                <a:spcPts val="0"/>
+              </a:spcAft>
+              <a:buClr>
+                <a:srgbClr val="000000"/>
+              </a:buClr>
+              <a:buSzPts val="1100"/>
+              <a:buFont typeface="Arial"/>
+              <a:buNone/>
+              <a:tabLst/>
+              <a:defRPr/>
+            </a:pPr>
+            <a:r>
+              <a:rPr lang="ko-KR" altLang="en-US" dirty="0">
+                <a:effectLst/>
+              </a:rPr>
+              <a:t>월간 </a:t>
+            </a:r>
+            <a:r>
+              <a:rPr lang="ko-KR" altLang="en-US" dirty="0" err="1">
+                <a:effectLst/>
+              </a:rPr>
+              <a:t>데이콘</a:t>
+            </a:r>
+            <a:r>
+              <a:rPr lang="ko-KR" altLang="en-US" dirty="0">
+                <a:effectLst/>
+              </a:rPr>
+              <a:t> 항공편 지연 예측 </a:t>
+            </a:r>
+            <a:r>
+              <a:rPr lang="en-US" altLang="ko-KR" dirty="0">
+                <a:effectLst/>
+              </a:rPr>
+              <a:t>AI </a:t>
+            </a:r>
+            <a:r>
+              <a:rPr lang="ko-KR" altLang="en-US" dirty="0">
+                <a:effectLst/>
+              </a:rPr>
+              <a:t>경진대회는 대부분의 </a:t>
+            </a:r>
+            <a:r>
+              <a:rPr lang="en-US" altLang="ko-KR" dirty="0">
+                <a:effectLst/>
+              </a:rPr>
+              <a:t>target </a:t>
+            </a:r>
+            <a:r>
+              <a:rPr lang="ko-KR" altLang="en-US" dirty="0">
+                <a:effectLst/>
+              </a:rPr>
+              <a:t>데이터가 </a:t>
+            </a:r>
+            <a:r>
+              <a:rPr lang="en-US" altLang="ko-KR" dirty="0">
+                <a:effectLst/>
+              </a:rPr>
+              <a:t>labeling</a:t>
+            </a:r>
+            <a:r>
+              <a:rPr lang="ko-KR" altLang="en-US" dirty="0">
+                <a:effectLst/>
+              </a:rPr>
+              <a:t>되어 있지 않은 상황에서 </a:t>
+            </a:r>
+            <a:r>
+              <a:rPr lang="en-US" altLang="ko-KR" dirty="0">
+                <a:effectLst/>
+              </a:rPr>
+              <a:t>17</a:t>
+            </a:r>
+            <a:r>
+              <a:rPr lang="ko-KR" altLang="en-US" dirty="0">
+                <a:effectLst/>
+              </a:rPr>
+              <a:t>개의 독립변수를 활용해 항공편의 지연 여부를 예측하는 </a:t>
+            </a:r>
+            <a:r>
+              <a:rPr lang="en-US" altLang="ko-KR" dirty="0">
+                <a:effectLst/>
+              </a:rPr>
+              <a:t>task</a:t>
+            </a:r>
+            <a:r>
+              <a:rPr lang="ko-KR" altLang="en-US" dirty="0">
+                <a:effectLst/>
+              </a:rPr>
+              <a:t>입니다</a:t>
+            </a:r>
+            <a:r>
+              <a:rPr lang="en-US" altLang="ko-KR" dirty="0">
+                <a:effectLst/>
+              </a:rPr>
+              <a:t>.</a:t>
+            </a:r>
+            <a:endParaRPr lang="ko-KR" altLang="en-US" dirty="0"/>
+          </a:p>
+          <a:p>
             <a:pPr marL="0" lvl="0" indent="0" algn="l" rtl="0">
               <a:spcBef>
                 <a:spcPts val="0"/>
@@ -1345,7 +1891,7 @@
               </a:spcAft>
               <a:buNone/>
             </a:pPr>
-            <a:endParaRPr/>
+            <a:endParaRPr dirty="0"/>
           </a:p>
         </p:txBody>
       </p:sp>
@@ -1445,6 +1991,190 @@
           </a:bodyPr>
           <a:lstStyle/>
           <a:p>
+            <a:pPr marL="0" marR="0" lvl="0" indent="0" algn="l" defTabSz="914400" rtl="0" eaLnBrk="1" fontAlgn="auto" latinLnBrk="0" hangingPunct="1">
+              <a:lnSpc>
+                <a:spcPct val="100000"/>
+              </a:lnSpc>
+              <a:spcBef>
+                <a:spcPts val="0"/>
+              </a:spcBef>
+              <a:spcAft>
+                <a:spcPts val="0"/>
+              </a:spcAft>
+              <a:buClr>
+                <a:srgbClr val="000000"/>
+              </a:buClr>
+              <a:buSzPts val="1100"/>
+              <a:buFont typeface="Arial"/>
+              <a:buNone/>
+              <a:tabLst/>
+              <a:defRPr/>
+            </a:pPr>
+            <a:r>
+              <a:rPr lang="ko-KR" altLang="en-US" dirty="0">
+                <a:effectLst/>
+              </a:rPr>
+              <a:t>대부분의 </a:t>
+            </a:r>
+            <a:r>
+              <a:rPr lang="en-US" altLang="ko-KR" dirty="0">
+                <a:effectLst/>
+              </a:rPr>
+              <a:t>target </a:t>
+            </a:r>
+            <a:r>
+              <a:rPr lang="ko-KR" altLang="en-US" dirty="0">
+                <a:effectLst/>
+              </a:rPr>
+              <a:t>데이터가 </a:t>
+            </a:r>
+            <a:r>
+              <a:rPr lang="en-US" altLang="ko-KR" dirty="0">
+                <a:effectLst/>
+              </a:rPr>
+              <a:t>labeling </a:t>
+            </a:r>
+            <a:r>
+              <a:rPr lang="ko-KR" altLang="en-US" dirty="0">
+                <a:effectLst/>
+              </a:rPr>
+              <a:t>되어 있지 않기 때문에</a:t>
+            </a:r>
+            <a:r>
+              <a:rPr lang="en-US" altLang="ko-KR" dirty="0">
+                <a:effectLst/>
+              </a:rPr>
+              <a:t>, pseudo-labeling</a:t>
+            </a:r>
+            <a:r>
+              <a:rPr lang="ko-KR" altLang="en-US" dirty="0">
+                <a:effectLst/>
+              </a:rPr>
+              <a:t>을 통해 이를 해결하고자 했습니다</a:t>
+            </a:r>
+            <a:r>
+              <a:rPr lang="en-US" altLang="ko-KR" dirty="0">
+                <a:effectLst/>
+              </a:rPr>
+              <a:t>. Pseudo labeling</a:t>
+            </a:r>
+            <a:r>
+              <a:rPr lang="ko-KR" altLang="en-US" dirty="0">
+                <a:effectLst/>
+              </a:rPr>
+              <a:t>은 지도학습을 통해 </a:t>
+            </a:r>
+            <a:r>
+              <a:rPr lang="en-US" altLang="ko-KR" dirty="0">
+                <a:effectLst/>
+              </a:rPr>
+              <a:t>1</a:t>
+            </a:r>
+            <a:r>
+              <a:rPr lang="ko-KR" altLang="en-US" dirty="0">
+                <a:effectLst/>
+              </a:rPr>
+              <a:t>차적으로 학습된 모델을 이용하여</a:t>
+            </a:r>
+            <a:r>
+              <a:rPr lang="en-US" altLang="ko-KR" dirty="0">
+                <a:effectLst/>
+              </a:rPr>
+              <a:t>, labeling</a:t>
+            </a:r>
+            <a:r>
+              <a:rPr lang="ko-KR" altLang="en-US" dirty="0">
+                <a:effectLst/>
+              </a:rPr>
+              <a:t>이 되지 않은 데이터에 대해 예측을 수행하는 기법입니다</a:t>
+            </a:r>
+            <a:r>
+              <a:rPr lang="en-US" altLang="ko-KR" dirty="0">
+                <a:effectLst/>
+              </a:rPr>
+              <a:t>. </a:t>
+            </a:r>
+            <a:r>
+              <a:rPr lang="ko-KR" altLang="en-US" dirty="0">
+                <a:effectLst/>
+              </a:rPr>
+              <a:t>수행된 예측 결과를 이용해 가짜</a:t>
+            </a:r>
+            <a:r>
+              <a:rPr lang="en-US" altLang="ko-KR" dirty="0">
+                <a:effectLst/>
+              </a:rPr>
+              <a:t>(pseudo)</a:t>
+            </a:r>
+            <a:r>
+              <a:rPr lang="ko-KR" altLang="en-US" dirty="0">
+                <a:effectLst/>
+              </a:rPr>
+              <a:t>로 </a:t>
+            </a:r>
+            <a:r>
+              <a:rPr lang="ko-KR" altLang="en-US" dirty="0" err="1">
+                <a:effectLst/>
+              </a:rPr>
+              <a:t>라벨링</a:t>
+            </a:r>
+            <a:r>
+              <a:rPr lang="en-US" altLang="ko-KR" dirty="0">
+                <a:effectLst/>
+              </a:rPr>
+              <a:t>(labeling)</a:t>
+            </a:r>
+            <a:r>
+              <a:rPr lang="ko-KR" altLang="en-US" dirty="0">
+                <a:effectLst/>
+              </a:rPr>
+              <a:t>한다고 하여 </a:t>
+            </a:r>
+            <a:r>
+              <a:rPr lang="en-US" altLang="ko-KR" dirty="0">
+                <a:effectLst/>
+              </a:rPr>
+              <a:t>pseudo-labeling</a:t>
+            </a:r>
+            <a:r>
+              <a:rPr lang="ko-KR" altLang="en-US" dirty="0">
+                <a:effectLst/>
+              </a:rPr>
+              <a:t>이라고 합니다</a:t>
+            </a:r>
+            <a:r>
+              <a:rPr lang="en-US" altLang="ko-KR" dirty="0">
+                <a:effectLst/>
+              </a:rPr>
+              <a:t>. </a:t>
+            </a:r>
+            <a:r>
+              <a:rPr lang="ko-KR" altLang="en-US" dirty="0">
+                <a:effectLst/>
+              </a:rPr>
+              <a:t>해당 기법을 활용하면 많은 데이터를 확보해 성능을 향상시킬 수 있다는 장점이 있지만</a:t>
+            </a:r>
+            <a:r>
+              <a:rPr lang="en-US" altLang="ko-KR" dirty="0">
+                <a:effectLst/>
+              </a:rPr>
+              <a:t>, </a:t>
+            </a:r>
+            <a:r>
+              <a:rPr lang="ko-KR" altLang="en-US" dirty="0">
+                <a:effectLst/>
+              </a:rPr>
+              <a:t>정확도가 떨어질 수 있다는 단점도 존재합니다</a:t>
+            </a:r>
+            <a:r>
+              <a:rPr lang="en-US" altLang="ko-KR" dirty="0">
+                <a:effectLst/>
+              </a:rPr>
+              <a:t>.</a:t>
+            </a:r>
+            <a:endParaRPr lang="ko-KR" altLang="en-US" dirty="0"/>
+          </a:p>
+          <a:p>
             <a:pPr marL="0" lvl="0" indent="0" algn="l" rtl="0">
               <a:spcBef>
                 <a:spcPts val="0"/>
@@ -1454,7 +2184,7 @@
               </a:spcAft>
               <a:buNone/>
             </a:pPr>
-            <a:endParaRPr/>
+            <a:endParaRPr dirty="0"/>
           </a:p>
         </p:txBody>
       </p:sp>
@@ -1554,6 +2284,208 @@
           </a:bodyPr>
           <a:lstStyle/>
           <a:p>
+            <a:pPr marL="0" marR="0" lvl="0" indent="0" algn="l" defTabSz="914400" rtl="0" eaLnBrk="1" fontAlgn="auto" latinLnBrk="0" hangingPunct="1">
+              <a:lnSpc>
+                <a:spcPct val="100000"/>
+              </a:lnSpc>
+              <a:spcBef>
+                <a:spcPts val="0"/>
+              </a:spcBef>
+              <a:spcAft>
+                <a:spcPts val="0"/>
+              </a:spcAft>
+              <a:buClr>
+                <a:srgbClr val="000000"/>
+              </a:buClr>
+              <a:buSzPts val="1100"/>
+              <a:buFont typeface="Arial"/>
+              <a:buNone/>
+              <a:tabLst/>
+              <a:defRPr/>
+            </a:pPr>
+            <a:r>
+              <a:rPr lang="ko-KR" altLang="en-US" dirty="0" err="1">
+                <a:effectLst/>
+              </a:rPr>
+              <a:t>전처리</a:t>
+            </a:r>
+            <a:r>
+              <a:rPr lang="ko-KR" altLang="en-US" dirty="0">
+                <a:effectLst/>
+              </a:rPr>
+              <a:t> 과정에서</a:t>
+            </a:r>
+            <a:r>
+              <a:rPr lang="en-US" altLang="ko-KR" dirty="0">
+                <a:effectLst/>
+              </a:rPr>
+              <a:t>, </a:t>
+            </a:r>
+            <a:r>
+              <a:rPr lang="ko-KR" altLang="en-US" dirty="0" err="1">
+                <a:effectLst/>
+              </a:rPr>
+              <a:t>결측치를</a:t>
+            </a:r>
+            <a:r>
+              <a:rPr lang="ko-KR" altLang="en-US" dirty="0">
+                <a:effectLst/>
+              </a:rPr>
+              <a:t> 처리할 때 다음과 같이 </a:t>
+            </a:r>
+            <a:r>
+              <a:rPr lang="en-US" altLang="ko-KR" dirty="0">
+                <a:effectLst/>
+              </a:rPr>
+              <a:t>1</a:t>
+            </a:r>
+            <a:r>
+              <a:rPr lang="ko-KR" altLang="en-US" dirty="0">
+                <a:effectLst/>
+              </a:rPr>
+              <a:t>대 </a:t>
+            </a:r>
+            <a:r>
+              <a:rPr lang="en-US" altLang="ko-KR" dirty="0">
+                <a:effectLst/>
+              </a:rPr>
+              <a:t>1</a:t>
+            </a:r>
+            <a:r>
+              <a:rPr lang="ko-KR" altLang="en-US" dirty="0">
+                <a:effectLst/>
+              </a:rPr>
+              <a:t>로 대응되는 </a:t>
+            </a:r>
+            <a:r>
+              <a:rPr lang="en-US" altLang="ko-KR" dirty="0">
+                <a:effectLst/>
+              </a:rPr>
+              <a:t>column</a:t>
+            </a:r>
+            <a:r>
+              <a:rPr lang="ko-KR" altLang="en-US" dirty="0">
+                <a:effectLst/>
+              </a:rPr>
+              <a:t>이 있다면</a:t>
+            </a:r>
+            <a:r>
+              <a:rPr lang="en-US" altLang="ko-KR" dirty="0">
+                <a:effectLst/>
+              </a:rPr>
+              <a:t>, </a:t>
+            </a:r>
+            <a:r>
+              <a:rPr lang="ko-KR" altLang="en-US" dirty="0">
+                <a:effectLst/>
+              </a:rPr>
+              <a:t>서로를 보강해줄 수 있습니다</a:t>
+            </a:r>
+            <a:r>
+              <a:rPr lang="en-US" altLang="ko-KR" dirty="0">
+                <a:effectLst/>
+              </a:rPr>
+              <a:t>. </a:t>
+            </a:r>
+            <a:r>
+              <a:rPr lang="ko-KR" altLang="en-US" dirty="0">
+                <a:effectLst/>
+              </a:rPr>
+              <a:t>또한</a:t>
+            </a:r>
+            <a:r>
+              <a:rPr lang="en-US" altLang="ko-KR" dirty="0">
+                <a:effectLst/>
+              </a:rPr>
+              <a:t>, </a:t>
+            </a:r>
+            <a:r>
+              <a:rPr lang="ko-KR" altLang="en-US" dirty="0">
+                <a:effectLst/>
+              </a:rPr>
+              <a:t>출발지와 도착지가 같다면 출발시간은 알 수 있으나 도착시간을 모를 때</a:t>
+            </a:r>
+            <a:r>
+              <a:rPr lang="en-US" altLang="ko-KR" dirty="0">
+                <a:effectLst/>
+              </a:rPr>
+              <a:t>, </a:t>
+            </a:r>
+            <a:r>
+              <a:rPr lang="ko-KR" altLang="en-US" dirty="0">
+                <a:effectLst/>
+              </a:rPr>
+              <a:t>혹은 그 반대의 상황에서 </a:t>
+            </a:r>
+            <a:r>
+              <a:rPr lang="ko-KR" altLang="en-US" dirty="0" err="1">
+                <a:effectLst/>
+              </a:rPr>
+              <a:t>결측치를</a:t>
+            </a:r>
+            <a:r>
+              <a:rPr lang="ko-KR" altLang="en-US" dirty="0">
+                <a:effectLst/>
+              </a:rPr>
+              <a:t> 채워줄 수 있습니다</a:t>
+            </a:r>
+            <a:r>
+              <a:rPr lang="en-US" altLang="ko-KR" dirty="0">
+                <a:effectLst/>
+              </a:rPr>
+              <a:t>. </a:t>
+            </a:r>
+            <a:r>
+              <a:rPr lang="ko-KR" altLang="en-US" dirty="0">
+                <a:effectLst/>
+              </a:rPr>
+              <a:t>이와 같이 서로 완벽하게 대응되는 </a:t>
+            </a:r>
+            <a:r>
+              <a:rPr lang="en-US" altLang="ko-KR" dirty="0">
+                <a:effectLst/>
+              </a:rPr>
+              <a:t>column</a:t>
+            </a:r>
+            <a:r>
+              <a:rPr lang="ko-KR" altLang="en-US" dirty="0">
+                <a:effectLst/>
+              </a:rPr>
+              <a:t>이 존재하거나</a:t>
+            </a:r>
+            <a:r>
+              <a:rPr lang="en-US" altLang="ko-KR" dirty="0">
+                <a:effectLst/>
+              </a:rPr>
+              <a:t>, </a:t>
+            </a:r>
+            <a:r>
+              <a:rPr lang="ko-KR" altLang="en-US" dirty="0">
+                <a:effectLst/>
+              </a:rPr>
+              <a:t>혹은 상관관계를 분석했을 때 유의미한 수준의 값이 나온다면 </a:t>
+            </a:r>
+            <a:r>
+              <a:rPr lang="ko-KR" altLang="en-US" dirty="0" err="1">
+                <a:effectLst/>
+              </a:rPr>
+              <a:t>결측치</a:t>
+            </a:r>
+            <a:r>
+              <a:rPr lang="ko-KR" altLang="en-US" dirty="0">
+                <a:effectLst/>
+              </a:rPr>
+              <a:t> 처리에 활용할 수 있겠다는 생각을 했습니다</a:t>
+            </a:r>
+            <a:r>
+              <a:rPr lang="en-US" altLang="ko-KR" dirty="0">
+                <a:effectLst/>
+              </a:rPr>
+              <a:t>.</a:t>
+            </a:r>
+            <a:endParaRPr lang="ko-KR" altLang="en-US" dirty="0"/>
+          </a:p>
+          <a:p>
             <a:pPr marL="0" lvl="0" indent="0" algn="l" rtl="0">
               <a:spcBef>
                 <a:spcPts val="0"/>
@@ -1563,7 +2495,7 @@
               </a:spcAft>
               <a:buNone/>
             </a:pPr>
-            <a:endParaRPr/>
+            <a:endParaRPr dirty="0"/>
           </a:p>
         </p:txBody>
       </p:sp>
@@ -1663,6 +2595,308 @@
           </a:bodyPr>
           <a:lstStyle/>
           <a:p>
+            <a:pPr marL="0" marR="0" lvl="0" indent="0" algn="l" defTabSz="914400" rtl="0" eaLnBrk="1" fontAlgn="auto" latinLnBrk="0" hangingPunct="1">
+              <a:lnSpc>
+                <a:spcPct val="100000"/>
+              </a:lnSpc>
+              <a:spcBef>
+                <a:spcPts val="0"/>
+              </a:spcBef>
+              <a:spcAft>
+                <a:spcPts val="0"/>
+              </a:spcAft>
+              <a:buClr>
+                <a:srgbClr val="000000"/>
+              </a:buClr>
+              <a:buSzPts val="1100"/>
+              <a:buFont typeface="Arial"/>
+              <a:buNone/>
+              <a:tabLst/>
+              <a:defRPr/>
+            </a:pPr>
+            <a:r>
+              <a:rPr lang="en-US" altLang="ko-KR" dirty="0">
+                <a:effectLst/>
+              </a:rPr>
+              <a:t>Modeling </a:t>
+            </a:r>
+            <a:r>
+              <a:rPr lang="ko-KR" altLang="en-US" dirty="0">
+                <a:effectLst/>
+              </a:rPr>
+              <a:t>과정에서는 </a:t>
+            </a:r>
+            <a:r>
+              <a:rPr lang="en-US" altLang="ko-KR" dirty="0" err="1">
+                <a:effectLst/>
+              </a:rPr>
+              <a:t>catboost</a:t>
+            </a:r>
+            <a:r>
+              <a:rPr lang="ko-KR" altLang="en-US" dirty="0">
+                <a:effectLst/>
+              </a:rPr>
+              <a:t>를 활용했습니다</a:t>
+            </a:r>
+            <a:r>
+              <a:rPr lang="en-US" altLang="ko-KR" dirty="0">
+                <a:effectLst/>
+              </a:rPr>
+              <a:t>. </a:t>
+            </a:r>
+            <a:r>
+              <a:rPr lang="ko-KR" altLang="en-US" dirty="0">
+                <a:effectLst/>
+              </a:rPr>
+              <a:t>해당 문구는 </a:t>
+            </a:r>
+            <a:r>
+              <a:rPr lang="en-US" altLang="ko-KR" dirty="0" err="1">
+                <a:effectLst/>
+              </a:rPr>
+              <a:t>catboost</a:t>
+            </a:r>
+            <a:r>
+              <a:rPr lang="en-US" altLang="ko-KR" dirty="0">
+                <a:effectLst/>
+              </a:rPr>
+              <a:t> </a:t>
+            </a:r>
+            <a:r>
+              <a:rPr lang="ko-KR" altLang="en-US" dirty="0">
+                <a:effectLst/>
+              </a:rPr>
+              <a:t>논문 내용을 발췌한 것이고요</a:t>
+            </a:r>
+            <a:r>
+              <a:rPr lang="en-US" altLang="ko-KR" dirty="0">
+                <a:effectLst/>
+              </a:rPr>
+              <a:t>. </a:t>
+            </a:r>
+            <a:r>
+              <a:rPr lang="en-US" altLang="ko-KR" dirty="0" err="1">
+                <a:effectLst/>
+              </a:rPr>
+              <a:t>Catboost</a:t>
+            </a:r>
+            <a:r>
+              <a:rPr lang="ko-KR" altLang="en-US" dirty="0">
+                <a:effectLst/>
+              </a:rPr>
+              <a:t>는 독립변수가 모두 </a:t>
+            </a:r>
+            <a:r>
+              <a:rPr lang="en-US" altLang="ko-KR" dirty="0">
+                <a:effectLst/>
+              </a:rPr>
+              <a:t>category </a:t>
+            </a:r>
+            <a:r>
+              <a:rPr lang="ko-KR" altLang="en-US" dirty="0">
+                <a:effectLst/>
+              </a:rPr>
+              <a:t>형태일 때 사용 가능하고</a:t>
+            </a:r>
+            <a:r>
+              <a:rPr lang="en-US" altLang="ko-KR" dirty="0">
+                <a:effectLst/>
+              </a:rPr>
+              <a:t>, </a:t>
+            </a:r>
+            <a:r>
+              <a:rPr lang="ko-KR" altLang="en-US" dirty="0">
+                <a:effectLst/>
+              </a:rPr>
+              <a:t>변수가 많은 경우 좋은 성능을 낸다고 알려져 있습니다</a:t>
+            </a:r>
+            <a:r>
+              <a:rPr lang="en-US" altLang="ko-KR" dirty="0">
+                <a:effectLst/>
+              </a:rPr>
+              <a:t>. </a:t>
+            </a:r>
+            <a:r>
+              <a:rPr lang="ko-KR" altLang="en-US" dirty="0">
+                <a:effectLst/>
+              </a:rPr>
+              <a:t>이 외에 </a:t>
+            </a:r>
+            <a:r>
+              <a:rPr lang="en-US" altLang="ko-KR" dirty="0">
+                <a:effectLst/>
+              </a:rPr>
+              <a:t>target</a:t>
+            </a:r>
+            <a:r>
+              <a:rPr lang="ko-KR" altLang="en-US" dirty="0">
+                <a:effectLst/>
+              </a:rPr>
+              <a:t>의 정보가 </a:t>
+            </a:r>
+            <a:r>
+              <a:rPr lang="en-US" altLang="ko-KR" dirty="0">
+                <a:effectLst/>
+              </a:rPr>
+              <a:t>feature</a:t>
+            </a:r>
+            <a:r>
+              <a:rPr lang="ko-KR" altLang="en-US" dirty="0">
+                <a:effectLst/>
+              </a:rPr>
+              <a:t>에 반영되어 있는 문제가 있을 때</a:t>
+            </a:r>
+            <a:r>
+              <a:rPr lang="en-US" altLang="ko-KR" dirty="0">
+                <a:effectLst/>
+              </a:rPr>
+              <a:t>, </a:t>
+            </a:r>
+            <a:r>
+              <a:rPr lang="ko-KR" altLang="en-US" dirty="0">
+                <a:effectLst/>
+              </a:rPr>
+              <a:t>혹은 시계열 데이터를 처리할 때 등 </a:t>
+            </a:r>
+            <a:r>
+              <a:rPr lang="en-US" altLang="ko-KR" dirty="0" err="1">
+                <a:effectLst/>
+              </a:rPr>
+              <a:t>catboost</a:t>
+            </a:r>
+            <a:r>
+              <a:rPr lang="ko-KR" altLang="en-US" dirty="0">
+                <a:effectLst/>
+              </a:rPr>
+              <a:t>만이 가지고 있는 다양한 장점이 있습니다</a:t>
+            </a:r>
+            <a:r>
+              <a:rPr lang="en-US" altLang="ko-KR" dirty="0">
+                <a:effectLst/>
+              </a:rPr>
+              <a:t>. </a:t>
+            </a:r>
+            <a:r>
+              <a:rPr lang="ko-KR" altLang="en-US" dirty="0">
+                <a:effectLst/>
+              </a:rPr>
+              <a:t>저희가 분석한 코드에서는 </a:t>
+            </a:r>
+            <a:r>
+              <a:rPr lang="en-US" altLang="ko-KR" dirty="0">
+                <a:effectLst/>
+              </a:rPr>
+              <a:t>pseudo labeling</a:t>
+            </a:r>
+            <a:r>
+              <a:rPr lang="ko-KR" altLang="en-US" dirty="0">
+                <a:effectLst/>
+              </a:rPr>
+              <a:t>을 적용하지 않고</a:t>
+            </a:r>
+            <a:r>
+              <a:rPr lang="en-US" altLang="ko-KR" dirty="0">
+                <a:effectLst/>
+              </a:rPr>
+              <a:t>, </a:t>
+            </a:r>
+            <a:r>
+              <a:rPr lang="ko-KR" altLang="en-US" dirty="0">
+                <a:effectLst/>
+              </a:rPr>
+              <a:t>모든 데이터를 </a:t>
+            </a:r>
+            <a:r>
+              <a:rPr lang="en-US" altLang="ko-KR" dirty="0">
+                <a:effectLst/>
+              </a:rPr>
+              <a:t>training </a:t>
+            </a:r>
+            <a:r>
+              <a:rPr lang="ko-KR" altLang="en-US" dirty="0">
+                <a:effectLst/>
+              </a:rPr>
+              <a:t>데이터로 적용하여 최적화 과정을 거치지 않는 방법도 시도했습니다</a:t>
+            </a:r>
+            <a:r>
+              <a:rPr lang="en-US" altLang="ko-KR" dirty="0">
+                <a:effectLst/>
+              </a:rPr>
+              <a:t>. Pseudo labeling</a:t>
+            </a:r>
+            <a:r>
+              <a:rPr lang="ko-KR" altLang="en-US" dirty="0">
+                <a:effectLst/>
+              </a:rPr>
+              <a:t>을 적용하지 않을 경우 데이터의 수가 부족해지기 때문에 최적화를 포기하고 모든 데이터를 </a:t>
+            </a:r>
+            <a:r>
+              <a:rPr lang="en-US" altLang="ko-KR" dirty="0">
+                <a:effectLst/>
+              </a:rPr>
+              <a:t>training </a:t>
+            </a:r>
+            <a:r>
+              <a:rPr lang="ko-KR" altLang="en-US" dirty="0">
+                <a:effectLst/>
+              </a:rPr>
+              <a:t>데이터로 활용하는 것이 모델의 성능 향상에 더 도움이 될 수 있다고 판단했습니다</a:t>
+            </a:r>
+            <a:r>
+              <a:rPr lang="en-US" altLang="ko-KR" dirty="0">
+                <a:effectLst/>
+              </a:rPr>
+              <a:t>. </a:t>
+            </a:r>
+            <a:r>
+              <a:rPr lang="ko-KR" altLang="en-US" dirty="0">
+                <a:effectLst/>
+              </a:rPr>
+              <a:t>실제로 </a:t>
+            </a:r>
+            <a:r>
+              <a:rPr lang="en-US" altLang="ko-KR" dirty="0">
+                <a:effectLst/>
+              </a:rPr>
+              <a:t>pseudo labeling</a:t>
+            </a:r>
+            <a:r>
+              <a:rPr lang="ko-KR" altLang="en-US" dirty="0">
+                <a:effectLst/>
+              </a:rPr>
+              <a:t>을 적용 했을 때보다 이와 같은 방법을 시도했을 때 성능이 더 좋았습니다</a:t>
+            </a:r>
+            <a:r>
+              <a:rPr lang="en-US" altLang="ko-KR" dirty="0">
+                <a:effectLst/>
+              </a:rPr>
+              <a:t>. </a:t>
+            </a:r>
+            <a:endParaRPr lang="ko-KR" altLang="en-US" dirty="0"/>
+          </a:p>
+          <a:p>
+            <a:pPr marL="0" marR="0" lvl="0" indent="0" algn="l" defTabSz="914400" rtl="0" eaLnBrk="1" fontAlgn="auto" latinLnBrk="0" hangingPunct="1">
+              <a:lnSpc>
+                <a:spcPct val="100000"/>
+              </a:lnSpc>
+              <a:spcBef>
+                <a:spcPts val="0"/>
+              </a:spcBef>
+              <a:spcAft>
+                <a:spcPts val="0"/>
+              </a:spcAft>
+              <a:buClr>
+                <a:srgbClr val="000000"/>
+              </a:buClr>
+              <a:buSzPts val="1100"/>
+              <a:buFont typeface="Arial"/>
+              <a:buNone/>
+              <a:tabLst/>
+              <a:defRPr/>
+            </a:pPr>
+            <a:endParaRPr lang="ko-KR" altLang="en-US" dirty="0"/>
+          </a:p>
+          <a:p>
             <a:pPr marL="0" lvl="0" indent="0" algn="l" rtl="0">
               <a:spcBef>
                 <a:spcPts val="0"/>
@@ -1672,7 +2906,7 @@
               </a:spcAft>
               <a:buNone/>
             </a:pPr>
-            <a:endParaRPr/>
+            <a:endParaRPr dirty="0"/>
           </a:p>
         </p:txBody>
       </p:sp>
@@ -1772,6 +3006,100 @@
           </a:bodyPr>
           <a:lstStyle/>
           <a:p>
+            <a:pPr marL="0" marR="0" lvl="0" indent="0" algn="l" defTabSz="914400" rtl="0" eaLnBrk="1" fontAlgn="auto" latinLnBrk="0" hangingPunct="1">
+              <a:lnSpc>
+                <a:spcPct val="100000"/>
+              </a:lnSpc>
+              <a:spcBef>
+                <a:spcPts val="0"/>
+              </a:spcBef>
+              <a:spcAft>
+                <a:spcPts val="0"/>
+              </a:spcAft>
+              <a:buClr>
+                <a:srgbClr val="000000"/>
+              </a:buClr>
+              <a:buSzPts val="1100"/>
+              <a:buFont typeface="Arial"/>
+              <a:buNone/>
+              <a:tabLst/>
+              <a:defRPr/>
+            </a:pPr>
+            <a:r>
+              <a:rPr lang="ko-KR" altLang="en-US" dirty="0">
+                <a:effectLst/>
+              </a:rPr>
+              <a:t>다음으로</a:t>
+            </a:r>
+            <a:r>
+              <a:rPr lang="en-US" altLang="ko-KR" dirty="0">
+                <a:effectLst/>
+              </a:rPr>
+              <a:t>, </a:t>
+            </a:r>
+            <a:r>
+              <a:rPr lang="ko-KR" altLang="en-US" dirty="0">
+                <a:effectLst/>
+              </a:rPr>
+              <a:t>영화 리뷰 감성분석 </a:t>
+            </a:r>
+            <a:r>
+              <a:rPr lang="en-US" altLang="ko-KR" dirty="0">
+                <a:effectLst/>
+              </a:rPr>
+              <a:t>AI </a:t>
+            </a:r>
+            <a:r>
+              <a:rPr lang="ko-KR" altLang="en-US" dirty="0" err="1">
+                <a:effectLst/>
+              </a:rPr>
+              <a:t>해커톤은</a:t>
+            </a:r>
+            <a:r>
+              <a:rPr lang="ko-KR" altLang="en-US" dirty="0">
+                <a:effectLst/>
+              </a:rPr>
+              <a:t> 네이버 영화 리뷰 데이터를 활용하여 리뷰의 </a:t>
+            </a:r>
+            <a:r>
+              <a:rPr lang="ko-KR" altLang="en-US" dirty="0" err="1">
+                <a:effectLst/>
+              </a:rPr>
+              <a:t>긍</a:t>
+            </a:r>
+            <a:r>
+              <a:rPr lang="en-US" altLang="ko-KR" dirty="0">
+                <a:effectLst/>
+              </a:rPr>
+              <a:t>/</a:t>
+            </a:r>
+            <a:r>
+              <a:rPr lang="ko-KR" altLang="en-US" dirty="0">
+                <a:effectLst/>
+              </a:rPr>
+              <a:t>부정을 분류하는 </a:t>
+            </a:r>
+            <a:r>
+              <a:rPr lang="en-US" altLang="ko-KR" dirty="0">
+                <a:effectLst/>
+              </a:rPr>
+              <a:t>task</a:t>
+            </a:r>
+            <a:r>
+              <a:rPr lang="ko-KR" altLang="en-US" dirty="0">
+                <a:effectLst/>
+              </a:rPr>
+              <a:t>입니다</a:t>
+            </a:r>
+            <a:r>
+              <a:rPr lang="en-US" altLang="ko-KR" dirty="0">
+                <a:effectLst/>
+              </a:rPr>
+              <a:t>.</a:t>
+            </a:r>
+            <a:endParaRPr lang="ko-KR" altLang="en-US" dirty="0"/>
+          </a:p>
+          <a:p>
             <a:pPr marL="0" lvl="0" indent="0" algn="l" rtl="0">
               <a:spcBef>
                 <a:spcPts val="0"/>
@@ -1781,7 +3109,7 @@
               </a:spcAft>
               <a:buNone/>
             </a:pPr>
-            <a:endParaRPr/>
+            <a:endParaRPr dirty="0"/>
           </a:p>
         </p:txBody>
       </p:sp>
@@ -1881,6 +3209,100 @@
           </a:bodyPr>
           <a:lstStyle/>
           <a:p>
+            <a:pPr marL="0" marR="0" lvl="0" indent="0" algn="l" defTabSz="914400" rtl="0" eaLnBrk="1" fontAlgn="auto" latinLnBrk="0" hangingPunct="1">
+              <a:lnSpc>
+                <a:spcPct val="100000"/>
+              </a:lnSpc>
+              <a:spcBef>
+                <a:spcPts val="0"/>
+              </a:spcBef>
+              <a:spcAft>
+                <a:spcPts val="0"/>
+              </a:spcAft>
+              <a:buClr>
+                <a:srgbClr val="000000"/>
+              </a:buClr>
+              <a:buSzPts val="1100"/>
+              <a:buFont typeface="Arial"/>
+              <a:buNone/>
+              <a:tabLst/>
+              <a:defRPr/>
+            </a:pPr>
+            <a:r>
+              <a:rPr lang="ko-KR" altLang="en-US" dirty="0">
+                <a:effectLst/>
+              </a:rPr>
+              <a:t>리뷰 데이터</a:t>
+            </a:r>
+            <a:r>
+              <a:rPr lang="en-US" altLang="ko-KR" dirty="0">
+                <a:effectLst/>
+              </a:rPr>
+              <a:t>, </a:t>
+            </a:r>
+            <a:r>
+              <a:rPr lang="ko-KR" altLang="en-US" dirty="0">
+                <a:effectLst/>
+              </a:rPr>
+              <a:t>즉 텍스트 데이터의 </a:t>
+            </a:r>
+            <a:r>
+              <a:rPr lang="ko-KR" altLang="en-US" dirty="0" err="1">
+                <a:effectLst/>
+              </a:rPr>
+              <a:t>전처리</a:t>
+            </a:r>
+            <a:r>
+              <a:rPr lang="ko-KR" altLang="en-US" dirty="0">
+                <a:effectLst/>
+              </a:rPr>
+              <a:t> 과정에서 정규표현식을 활용하였습니다</a:t>
+            </a:r>
+            <a:r>
+              <a:rPr lang="en-US" altLang="ko-KR" dirty="0">
+                <a:effectLst/>
+              </a:rPr>
+              <a:t>. </a:t>
+            </a:r>
+            <a:r>
+              <a:rPr lang="ko-KR" altLang="en-US" dirty="0">
+                <a:effectLst/>
+              </a:rPr>
+              <a:t>예시와 같이 리뷰 데이터에서 특수문자가 제거된 것을 확인할 수 있습니다</a:t>
+            </a:r>
+            <a:r>
+              <a:rPr lang="en-US" altLang="ko-KR" dirty="0">
+                <a:effectLst/>
+              </a:rPr>
+              <a:t>. </a:t>
+            </a:r>
+            <a:r>
+              <a:rPr lang="ko-KR" altLang="en-US" dirty="0">
+                <a:effectLst/>
+              </a:rPr>
+              <a:t>정규표현식을 뜯어보면</a:t>
+            </a:r>
+            <a:r>
+              <a:rPr lang="en-US" altLang="ko-KR" dirty="0">
+                <a:effectLst/>
+              </a:rPr>
+              <a:t>... . </a:t>
+            </a:r>
+            <a:r>
+              <a:rPr lang="ko-KR" altLang="en-US" dirty="0">
+                <a:effectLst/>
+              </a:rPr>
+              <a:t>이와 같이 정규표현식을 활용하면 효율적인 텍스트 데이터의 전처리가 가능합니다</a:t>
+            </a:r>
+            <a:r>
+              <a:rPr lang="en-US" altLang="ko-KR" dirty="0">
+                <a:effectLst/>
+              </a:rPr>
+              <a:t>.</a:t>
+            </a:r>
+            <a:endParaRPr lang="ko-KR" altLang="en-US" dirty="0"/>
+          </a:p>
+          <a:p>
             <a:pPr marL="0" lvl="0" indent="0" algn="l" rtl="0">
               <a:spcBef>
                 <a:spcPts val="0"/>
@@ -1890,7 +3312,7 @@
               </a:spcAft>
               <a:buNone/>
             </a:pPr>
-            <a:endParaRPr/>
+            <a:endParaRPr dirty="0"/>
           </a:p>
         </p:txBody>
       </p:sp>
